--- a/courses/su/cs211/files/lecture_05.pptx
+++ b/courses/su/cs211/files/lecture_05.pptx
@@ -226,7 +226,7 @@
           <a:p>
             <a:fld id="{9A83738A-DDA9-409E-879A-2EF15B55005F}" type="datetimeFigureOut">
               <a:rPr lang="en-US" smtClean="0"/>
-              <a:t>10/5/2018</a:t>
+              <a:t>10/7/2018</a:t>
             </a:fld>
             <a:endParaRPr lang="en-US"/>
           </a:p>
@@ -33260,8 +33260,12 @@
           <a:lstStyle/>
           <a:p>
             <a:r>
+              <a:rPr lang="en-US"/>
+              <a:t>Chapter 3: </a:t>
+            </a:r>
+            <a:r>
               <a:rPr lang="en-US" dirty="0"/>
-              <a:t>Chapter 2: Logic Gates</a:t>
+              <a:t>Logic Gates</a:t>
             </a:r>
           </a:p>
         </p:txBody>
@@ -33482,7 +33486,7 @@
             <a:pPr lvl="1"/>
             <a:r>
               <a:rPr lang="en-US" dirty="0"/>
-              <a:t>Pages XX - XX</a:t>
+              <a:t>Pages 107 - 130</a:t>
             </a:r>
           </a:p>
         </p:txBody>
